--- a/GesundheitsamtPraesDominik.pptx
+++ b/GesundheitsamtPraesDominik.pptx
@@ -132,7 +132,7 @@
   </p:defaultTextStyle>
   <p:extLst>
     <p:ext uri="{EFAFB233-063F-42B5-8137-9DF3F51BA10A}">
-      <p15:sldGuideLst xmlns:p15="http://schemas.microsoft.com/office/powerpoint/2012/main" xmlns=""/>
+      <p15:sldGuideLst xmlns="" xmlns:p15="http://schemas.microsoft.com/office/powerpoint/2012/main"/>
     </p:ext>
   </p:extLst>
 </p:presentation>
@@ -220,7 +220,7 @@
           <a:p>
             <a:fld id="{FD0E5214-A780-45B3-8C91-E131831524A4}" type="datetimeFigureOut">
               <a:rPr lang="de-DE" smtClean="0"/>
-              <a:t>16.03.2015</a:t>
+              <a:t>17.03.2015</a:t>
             </a:fld>
             <a:endParaRPr lang="de-DE"/>
           </a:p>
@@ -2930,7 +2930,7 @@
           <a:p>
             <a:fld id="{430DCDF4-4212-41DE-881A-86CC5F4C4960}" type="datetime1">
               <a:rPr lang="en-US" smtClean="0"/>
-              <a:t>3/16/2015</a:t>
+              <a:t>3/17/2015</a:t>
             </a:fld>
             <a:endParaRPr lang="en-US" dirty="0"/>
           </a:p>
@@ -3209,7 +3209,7 @@
           <a:p>
             <a:fld id="{7D7F22C2-E00C-402C-9237-97B2DDDB1C1E}" type="datetime1">
               <a:rPr lang="en-US" smtClean="0"/>
-              <a:t>3/16/2015</a:t>
+              <a:t>3/17/2015</a:t>
             </a:fld>
             <a:endParaRPr lang="en-US" dirty="0"/>
           </a:p>
@@ -3504,7 +3504,7 @@
           <a:p>
             <a:fld id="{4751C775-F499-41CA-BB69-5F0CE1DC728B}" type="datetime1">
               <a:rPr lang="en-US" smtClean="0"/>
-              <a:t>3/16/2015</a:t>
+              <a:t>3/17/2015</a:t>
             </a:fld>
             <a:endParaRPr lang="en-US" dirty="0"/>
           </a:p>
@@ -3826,7 +3826,7 @@
           <a:p>
             <a:fld id="{EF0B729F-5E1E-40E7-8D1F-2FBC0AA7C9CD}" type="datetime1">
               <a:rPr lang="en-US" smtClean="0"/>
-              <a:t>3/16/2015</a:t>
+              <a:t>3/17/2015</a:t>
             </a:fld>
             <a:endParaRPr lang="en-US" dirty="0"/>
           </a:p>
@@ -4121,7 +4121,7 @@
           <a:p>
             <a:fld id="{6C610283-F1E1-40D0-ACF0-C635052CA35C}" type="datetime1">
               <a:rPr lang="en-US" smtClean="0"/>
-              <a:t>3/16/2015</a:t>
+              <a:t>3/17/2015</a:t>
             </a:fld>
             <a:endParaRPr lang="en-US" dirty="0"/>
           </a:p>
@@ -4495,7 +4495,7 @@
           <a:p>
             <a:fld id="{DDCC8832-2E28-430A-AD8F-583F9F33222D}" type="datetime1">
               <a:rPr lang="en-US" smtClean="0"/>
-              <a:t>3/16/2015</a:t>
+              <a:t>3/17/2015</a:t>
             </a:fld>
             <a:endParaRPr lang="en-US" dirty="0"/>
           </a:p>
@@ -4646,7 +4646,7 @@
           <a:p>
             <a:fld id="{76E487D9-92EA-4374-B9A8-0C938596B06B}" type="datetime1">
               <a:rPr lang="en-US" smtClean="0"/>
-              <a:t>3/16/2015</a:t>
+              <a:t>3/17/2015</a:t>
             </a:fld>
             <a:endParaRPr lang="en-US" dirty="0"/>
           </a:p>
@@ -4807,7 +4807,7 @@
           <a:p>
             <a:fld id="{03B2E87A-4C56-4FB1-83A8-C433C44AFBA9}" type="datetime1">
               <a:rPr lang="en-US" smtClean="0"/>
-              <a:t>3/16/2015</a:t>
+              <a:t>3/17/2015</a:t>
             </a:fld>
             <a:endParaRPr lang="en-US" dirty="0"/>
           </a:p>
@@ -4971,7 +4971,7 @@
           <a:p>
             <a:fld id="{A5828E15-EAE5-4696-A498-9462A8D07DB3}" type="datetime1">
               <a:rPr lang="en-US" smtClean="0"/>
-              <a:t>3/16/2015</a:t>
+              <a:t>3/17/2015</a:t>
             </a:fld>
             <a:endParaRPr lang="en-US" dirty="0"/>
           </a:p>
@@ -5211,7 +5211,7 @@
           <a:p>
             <a:fld id="{30C89575-A7F9-45D9-8DD0-EEE9ED1F7FA0}" type="datetime1">
               <a:rPr lang="en-US" smtClean="0"/>
-              <a:t>3/16/2015</a:t>
+              <a:t>3/17/2015</a:t>
             </a:fld>
             <a:endParaRPr lang="en-US" dirty="0"/>
           </a:p>
@@ -5431,7 +5431,7 @@
           <a:p>
             <a:fld id="{7A131F54-E68E-47BE-8946-F526F364CBA6}" type="datetime1">
               <a:rPr lang="en-US" smtClean="0"/>
-              <a:t>3/16/2015</a:t>
+              <a:t>3/17/2015</a:t>
             </a:fld>
             <a:endParaRPr lang="en-US" dirty="0"/>
           </a:p>
@@ -5470,6 +5470,13 @@
   <p:clrMapOvr>
     <a:masterClrMapping/>
   </p:clrMapOvr>
+  <p:timing>
+    <p:tnLst>
+      <p:par>
+        <p:cTn id="1" dur="indefinite" restart="never" nodeType="tmRoot"/>
+      </p:par>
+    </p:tnLst>
+  </p:timing>
 </p:sldLayout>
 </file>
 
@@ -5786,7 +5793,7 @@
           <a:p>
             <a:fld id="{54938A4C-ABDD-4D7F-9EE8-D2212DFA111A}" type="datetime1">
               <a:rPr lang="en-US" smtClean="0"/>
-              <a:t>3/16/2015</a:t>
+              <a:t>3/17/2015</a:t>
             </a:fld>
             <a:endParaRPr lang="en-US" dirty="0"/>
           </a:p>
@@ -5890,7 +5897,7 @@
           <a:p>
             <a:fld id="{472087FD-69A5-4863-93C8-147616460B5F}" type="datetime1">
               <a:rPr lang="en-US" smtClean="0"/>
-              <a:t>3/16/2015</a:t>
+              <a:t>3/17/2015</a:t>
             </a:fld>
             <a:endParaRPr lang="en-US" dirty="0"/>
           </a:p>
@@ -5966,7 +5973,7 @@
           <a:p>
             <a:fld id="{DE67AA65-3958-4B15-93E3-62DB88057388}" type="datetime1">
               <a:rPr lang="en-US" smtClean="0"/>
-              <a:t>3/16/2015</a:t>
+              <a:t>3/17/2015</a:t>
             </a:fld>
             <a:endParaRPr lang="en-US" dirty="0"/>
           </a:p>
@@ -6202,7 +6209,7 @@
           <a:p>
             <a:fld id="{3A3AF593-EE7A-4564-A95B-6C86BAEF9839}" type="datetime1">
               <a:rPr lang="en-US" smtClean="0"/>
-              <a:t>3/16/2015</a:t>
+              <a:t>3/17/2015</a:t>
             </a:fld>
             <a:endParaRPr lang="en-US" dirty="0"/>
           </a:p>
@@ -6446,7 +6453,7 @@
           <a:p>
             <a:fld id="{D226D4E0-B61D-4B17-878D-83CEB6B35F48}" type="datetime1">
               <a:rPr lang="en-US" smtClean="0"/>
-              <a:t>3/16/2015</a:t>
+              <a:t>3/17/2015</a:t>
             </a:fld>
             <a:endParaRPr lang="en-US" dirty="0"/>
           </a:p>
@@ -7170,7 +7177,7 @@
           <a:p>
             <a:fld id="{FA7EC809-ED1F-4983-9906-520EA3F002C5}" type="datetime1">
               <a:rPr lang="en-US" smtClean="0"/>
-              <a:t>3/16/2015</a:t>
+              <a:t>3/17/2015</a:t>
             </a:fld>
             <a:endParaRPr lang="en-US" dirty="0"/>
           </a:p>
@@ -7833,15 +7840,13 @@
           <a:p>
             <a:r>
               <a:rPr lang="de-DE" dirty="0" smtClean="0"/>
-              <a:t>Dominik Meixner, Dominique Cheray</a:t>
-            </a:r>
-          </a:p>
-          <a:p>
+              <a:t>Dominik Meixner, Dominique </a:t>
+            </a:r>
             <a:r>
               <a:rPr lang="de-DE" dirty="0" smtClean="0"/>
-              <a:t>Dienstag, 17. März 2015</a:t>
-            </a:r>
-            <a:endParaRPr lang="de-DE" dirty="0"/>
+              <a:t>Cheray</a:t>
+            </a:r>
+            <a:endParaRPr lang="de-DE" dirty="0" smtClean="0"/>
           </a:p>
         </p:txBody>
       </p:sp>
@@ -7892,6 +7897,48 @@
             </a:fld>
             <a:endParaRPr lang="en-US" dirty="0">
               <a:latin typeface="Calibri" panose="020F0502020204030204" pitchFamily="34" charset="0"/>
+            </a:endParaRPr>
+          </a:p>
+        </p:txBody>
+      </p:sp>
+      <p:sp>
+        <p:nvSpPr>
+          <p:cNvPr id="8" name="Date Placeholder 3"/>
+          <p:cNvSpPr>
+            <a:spLocks noGrp="1"/>
+          </p:cNvSpPr>
+          <p:nvPr>
+            <p:ph type="dt" sz="half" idx="10"/>
+          </p:nvPr>
+        </p:nvSpPr>
+        <p:spPr>
+          <a:xfrm>
+            <a:off x="6400801" y="4462272"/>
+            <a:ext cx="2852928" cy="457200"/>
+          </a:xfrm>
+        </p:spPr>
+        <p:txBody>
+          <a:bodyPr/>
+          <a:lstStyle/>
+          <a:p>
+            <a:fld id="{70448DDB-1346-48DF-9A6F-C7D94BE650E0}" type="datetime2">
+              <a:rPr lang="de-DE" sz="1800">
+                <a:solidFill>
+                  <a:schemeClr val="tx1">
+                    <a:lumMod val="50000"/>
+                    <a:lumOff val="50000"/>
+                  </a:schemeClr>
+                </a:solidFill>
+              </a:rPr>
+              <a:t>Dienstag, 17. März 2015</a:t>
+            </a:fld>
+            <a:endParaRPr lang="en-US" sz="1800" dirty="0">
+              <a:solidFill>
+                <a:schemeClr val="tx1">
+                  <a:lumMod val="50000"/>
+                  <a:lumOff val="50000"/>
+                </a:schemeClr>
+              </a:solidFill>
             </a:endParaRPr>
           </a:p>
         </p:txBody>
@@ -8531,17 +8578,17 @@
           <a:p>
             <a:pPr lvl="1"/>
             <a:r>
-              <a:rPr lang="de-DE" sz="2600" dirty="0" smtClean="0"/>
+              <a:rPr lang="de-DE" sz="2800" dirty="0" smtClean="0"/>
               <a:t>Verdichtete und adressaten-</a:t>
             </a:r>
             <a:br>
-              <a:rPr lang="de-DE" sz="2600" dirty="0" smtClean="0"/>
+              <a:rPr lang="de-DE" sz="2800" dirty="0" smtClean="0"/>
             </a:br>
             <a:r>
-              <a:rPr lang="de-DE" sz="2600" dirty="0" smtClean="0"/>
+              <a:rPr lang="de-DE" sz="2800" dirty="0" smtClean="0"/>
               <a:t>orientierte Darstellung der Daten</a:t>
             </a:r>
-            <a:endParaRPr lang="de-DE" sz="2600" dirty="0"/>
+            <a:endParaRPr lang="de-DE" sz="2800" dirty="0"/>
           </a:p>
         </p:txBody>
       </p:sp>
@@ -9026,10 +9073,6 @@
               <a:rPr lang="de-DE" sz="2800" dirty="0"/>
               <a:t>Untersuchung von Krankheitsausbrüchen oder </a:t>
             </a:r>
-            <a:r>
-              <a:rPr lang="de-DE" sz="2800" dirty="0"/>
-              <a:t/>
-            </a:r>
             <a:br>
               <a:rPr lang="de-DE" sz="2800" dirty="0"/>
             </a:br>
@@ -9037,7 +9080,6 @@
               <a:rPr lang="de-DE" sz="2800" dirty="0" smtClean="0"/>
               <a:t>-häufungen</a:t>
             </a:r>
-            <a:endParaRPr lang="de-DE" sz="2800" dirty="0" smtClean="0"/>
           </a:p>
           <a:p>
             <a:pPr lvl="1"/>
@@ -10002,7 +10044,7 @@
         <p:spPr/>
         <p:txBody>
           <a:bodyPr>
-            <a:normAutofit lnSpcReduction="10000"/>
+            <a:noAutofit/>
           </a:bodyPr>
           <a:lstStyle/>
           <a:p>
@@ -10231,7 +10273,7 @@
         </p:blipFill>
         <p:spPr bwMode="auto">
           <a:xfrm>
-            <a:off x="1200604" y="853740"/>
+            <a:off x="1200604" y="1018332"/>
             <a:ext cx="4024540" cy="5039424"/>
           </a:xfrm>
           <a:prstGeom prst="rect">
@@ -10261,14 +10303,16 @@
         </p:nvSpPr>
         <p:spPr/>
         <p:txBody>
-          <a:bodyPr/>
-          <a:lstStyle/>
-          <a:p>
-            <a:r>
-              <a:rPr lang="de-DE" dirty="0" smtClean="0"/>
+          <a:bodyPr>
+            <a:normAutofit/>
+          </a:bodyPr>
+          <a:lstStyle/>
+          <a:p>
+            <a:r>
+              <a:rPr lang="de-DE" sz="4200" dirty="0" smtClean="0"/>
               <a:t>Fragen?</a:t>
             </a:r>
-            <a:endParaRPr lang="de-DE" dirty="0"/>
+            <a:endParaRPr lang="de-DE" sz="4200" dirty="0"/>
           </a:p>
         </p:txBody>
       </p:sp>
@@ -11102,7 +11146,9 @@
         </p:nvSpPr>
         <p:spPr/>
         <p:txBody>
-          <a:bodyPr/>
+          <a:bodyPr>
+            <a:normAutofit/>
+          </a:bodyPr>
           <a:lstStyle/>
           <a:p>
             <a:r>
@@ -11110,33 +11156,33 @@
               <a:t>Referate des </a:t>
             </a:r>
             <a:r>
-              <a:rPr lang="de-DE" sz="2800" dirty="0" smtClean="0"/>
+              <a:rPr lang="de-DE" sz="2800" dirty="0"/>
               <a:t>Landesgesundheitsamtes</a:t>
             </a:r>
           </a:p>
           <a:p>
             <a:pPr lvl="1"/>
             <a:r>
-              <a:rPr lang="de-DE" sz="2600" dirty="0"/>
+              <a:rPr lang="de-DE" sz="2800" dirty="0"/>
               <a:t>Referat 94: Gesundheitsförderung, Prävention, Landesarzt für behinderte </a:t>
             </a:r>
             <a:r>
-              <a:rPr lang="de-DE" sz="2600" dirty="0" smtClean="0"/>
+              <a:rPr lang="de-DE" sz="2800" dirty="0"/>
               <a:t>Menschen</a:t>
             </a:r>
-            <a:endParaRPr lang="de-DE" sz="2600" dirty="0"/>
+            <a:endParaRPr lang="de-DE" sz="2800" dirty="0"/>
           </a:p>
           <a:p>
             <a:pPr lvl="1"/>
             <a:r>
-              <a:rPr lang="de-DE" sz="2800" dirty="0" smtClean="0"/>
+              <a:rPr lang="de-DE" sz="2800" dirty="0"/>
               <a:t>Referat 95: Epidemiologie</a:t>
             </a:r>
           </a:p>
           <a:p>
             <a:pPr lvl="1"/>
             <a:r>
-              <a:rPr lang="de-DE" sz="2800" dirty="0" smtClean="0"/>
+              <a:rPr lang="de-DE" sz="2800" dirty="0"/>
               <a:t>Referat 96: Arbeitsmedizin, Umweltbezogener Gesundheitsschutz, Staatlicher Gewerbearzt</a:t>
             </a:r>
           </a:p>
@@ -11707,7 +11753,7 @@
   <a:extraClrSchemeLst/>
   <a:extLst>
     <a:ext uri="{05A4C25C-085E-4340-85A3-A5531E510DB2}">
-      <thm15:themeFamily xmlns:thm15="http://schemas.microsoft.com/office/thememl/2012/main" xmlns="" name="Facet" id="{C0C680CD-088A-49FC-A102-D699147F32B2}" vid="{CFBC31BA-B70F-4F30-BCAA-4F3011E16C4D}"/>
+      <thm15:themeFamily xmlns="" xmlns:thm15="http://schemas.microsoft.com/office/thememl/2012/main" name="Facet" id="{C0C680CD-088A-49FC-A102-D699147F32B2}" vid="{CFBC31BA-B70F-4F30-BCAA-4F3011E16C4D}"/>
     </a:ext>
   </a:extLst>
 </a:theme>
@@ -11968,7 +12014,7 @@
   <a:extraClrSchemeLst/>
   <a:extLst>
     <a:ext uri="{05A4C25C-085E-4340-85A3-A5531E510DB2}">
-      <thm15:themeFamily xmlns:thm15="http://schemas.microsoft.com/office/thememl/2012/main" xmlns="" name="Office Theme" id="{62F939B6-93AF-4DB8-9C6B-D6C7DFDC589F}" vid="{4A3C46E8-61CC-4603-A589-7422A47A8E4A}"/>
+      <thm15:themeFamily xmlns="" xmlns:thm15="http://schemas.microsoft.com/office/thememl/2012/main" name="Office Theme" id="{62F939B6-93AF-4DB8-9C6B-D6C7DFDC589F}" vid="{4A3C46E8-61CC-4603-A589-7422A47A8E4A}"/>
     </a:ext>
   </a:extLst>
 </a:theme>
